--- a/Documentation/Logo-creation.pptx
+++ b/Documentation/Logo-creation.pptx
@@ -6,6 +6,7 @@
   </p:sldMasterIdLst>
   <p:sldIdLst>
     <p:sldId id="256" r:id="rId2"/>
+    <p:sldId id="257" r:id="rId3"/>
   </p:sldIdLst>
   <p:sldSz cx="12192000" cy="6858000"/>
   <p:notesSz cx="6858000" cy="9144000"/>
@@ -104,6 +105,11 @@
       </a:defRPr>
     </a:lvl9pPr>
   </p:defaultTextStyle>
+  <p:extLst>
+    <p:ext uri="{EFAFB233-063F-42B5-8137-9DF3F51BA10A}">
+      <p15:sldGuideLst xmlns:p15="http://schemas.microsoft.com/office/powerpoint/2012/main"/>
+    </p:ext>
+  </p:extLst>
 </p:presentation>
 </file>
 
@@ -254,7 +260,7 @@
           <a:p>
             <a:fld id="{7C1252A3-2BEB-4721-824B-7FE09C11975E}" type="datetimeFigureOut">
               <a:rPr lang="en-US" smtClean="0"/>
-              <a:t>4/20/2022</a:t>
+              <a:t>4/21/2022</a:t>
             </a:fld>
             <a:endParaRPr lang="en-US"/>
           </a:p>
@@ -452,7 +458,7 @@
           <a:p>
             <a:fld id="{7C1252A3-2BEB-4721-824B-7FE09C11975E}" type="datetimeFigureOut">
               <a:rPr lang="en-US" smtClean="0"/>
-              <a:t>4/20/2022</a:t>
+              <a:t>4/21/2022</a:t>
             </a:fld>
             <a:endParaRPr lang="en-US"/>
           </a:p>
@@ -660,7 +666,7 @@
           <a:p>
             <a:fld id="{7C1252A3-2BEB-4721-824B-7FE09C11975E}" type="datetimeFigureOut">
               <a:rPr lang="en-US" smtClean="0"/>
-              <a:t>4/20/2022</a:t>
+              <a:t>4/21/2022</a:t>
             </a:fld>
             <a:endParaRPr lang="en-US"/>
           </a:p>
@@ -858,7 +864,7 @@
           <a:p>
             <a:fld id="{7C1252A3-2BEB-4721-824B-7FE09C11975E}" type="datetimeFigureOut">
               <a:rPr lang="en-US" smtClean="0"/>
-              <a:t>4/20/2022</a:t>
+              <a:t>4/21/2022</a:t>
             </a:fld>
             <a:endParaRPr lang="en-US"/>
           </a:p>
@@ -1133,7 +1139,7 @@
           <a:p>
             <a:fld id="{7C1252A3-2BEB-4721-824B-7FE09C11975E}" type="datetimeFigureOut">
               <a:rPr lang="en-US" smtClean="0"/>
-              <a:t>4/20/2022</a:t>
+              <a:t>4/21/2022</a:t>
             </a:fld>
             <a:endParaRPr lang="en-US"/>
           </a:p>
@@ -1398,7 +1404,7 @@
           <a:p>
             <a:fld id="{7C1252A3-2BEB-4721-824B-7FE09C11975E}" type="datetimeFigureOut">
               <a:rPr lang="en-US" smtClean="0"/>
-              <a:t>4/20/2022</a:t>
+              <a:t>4/21/2022</a:t>
             </a:fld>
             <a:endParaRPr lang="en-US"/>
           </a:p>
@@ -1810,7 +1816,7 @@
           <a:p>
             <a:fld id="{7C1252A3-2BEB-4721-824B-7FE09C11975E}" type="datetimeFigureOut">
               <a:rPr lang="en-US" smtClean="0"/>
-              <a:t>4/20/2022</a:t>
+              <a:t>4/21/2022</a:t>
             </a:fld>
             <a:endParaRPr lang="en-US"/>
           </a:p>
@@ -1951,7 +1957,7 @@
           <a:p>
             <a:fld id="{7C1252A3-2BEB-4721-824B-7FE09C11975E}" type="datetimeFigureOut">
               <a:rPr lang="en-US" smtClean="0"/>
-              <a:t>4/20/2022</a:t>
+              <a:t>4/21/2022</a:t>
             </a:fld>
             <a:endParaRPr lang="en-US"/>
           </a:p>
@@ -2064,7 +2070,7 @@
           <a:p>
             <a:fld id="{7C1252A3-2BEB-4721-824B-7FE09C11975E}" type="datetimeFigureOut">
               <a:rPr lang="en-US" smtClean="0"/>
-              <a:t>4/20/2022</a:t>
+              <a:t>4/21/2022</a:t>
             </a:fld>
             <a:endParaRPr lang="en-US"/>
           </a:p>
@@ -2375,7 +2381,7 @@
           <a:p>
             <a:fld id="{7C1252A3-2BEB-4721-824B-7FE09C11975E}" type="datetimeFigureOut">
               <a:rPr lang="en-US" smtClean="0"/>
-              <a:t>4/20/2022</a:t>
+              <a:t>4/21/2022</a:t>
             </a:fld>
             <a:endParaRPr lang="en-US"/>
           </a:p>
@@ -2663,7 +2669,7 @@
           <a:p>
             <a:fld id="{7C1252A3-2BEB-4721-824B-7FE09C11975E}" type="datetimeFigureOut">
               <a:rPr lang="en-US" smtClean="0"/>
-              <a:t>4/20/2022</a:t>
+              <a:t>4/21/2022</a:t>
             </a:fld>
             <a:endParaRPr lang="en-US"/>
           </a:p>
@@ -2904,7 +2910,7 @@
           <a:p>
             <a:fld id="{7C1252A3-2BEB-4721-824B-7FE09C11975E}" type="datetimeFigureOut">
               <a:rPr lang="en-US" smtClean="0"/>
-              <a:t>4/20/2022</a:t>
+              <a:t>4/21/2022</a:t>
             </a:fld>
             <a:endParaRPr lang="en-US"/>
           </a:p>
@@ -3488,6 +3494,1493 @@
 </p:sld>
 </file>
 
+<file path=ppt/slides/slide2.xml><?xml version="1.0" encoding="utf-8"?>
+<p:sld xmlns:a="http://schemas.openxmlformats.org/drawingml/2006/main" xmlns:r="http://schemas.openxmlformats.org/officeDocument/2006/relationships" xmlns:p="http://schemas.openxmlformats.org/presentationml/2006/main">
+  <p:cSld>
+    <p:spTree>
+      <p:nvGrpSpPr>
+        <p:cNvPr id="1" name=""/>
+        <p:cNvGrpSpPr/>
+        <p:nvPr/>
+      </p:nvGrpSpPr>
+      <p:grpSpPr>
+        <a:xfrm>
+          <a:off x="0" y="0"/>
+          <a:ext cx="0" cy="0"/>
+          <a:chOff x="0" y="0"/>
+          <a:chExt cx="0" cy="0"/>
+        </a:xfrm>
+      </p:grpSpPr>
+      <p:sp>
+        <p:nvSpPr>
+          <p:cNvPr id="20" name="Rectangle: Rounded Corners 19">
+            <a:extLst>
+              <a:ext uri="{FF2B5EF4-FFF2-40B4-BE49-F238E27FC236}">
+                <a16:creationId xmlns:a16="http://schemas.microsoft.com/office/drawing/2014/main" id="{49901A27-EF12-4DF4-B71E-4A06030FD14E}"/>
+              </a:ext>
+            </a:extLst>
+          </p:cNvPr>
+          <p:cNvSpPr/>
+          <p:nvPr/>
+        </p:nvSpPr>
+        <p:spPr>
+          <a:xfrm>
+            <a:off x="3765936" y="870865"/>
+            <a:ext cx="2189906" cy="2284854"/>
+          </a:xfrm>
+          <a:prstGeom prst="roundRect">
+            <a:avLst/>
+          </a:prstGeom>
+        </p:spPr>
+        <p:style>
+          <a:lnRef idx="2">
+            <a:schemeClr val="accent1">
+              <a:shade val="50000"/>
+            </a:schemeClr>
+          </a:lnRef>
+          <a:fillRef idx="1">
+            <a:schemeClr val="accent1"/>
+          </a:fillRef>
+          <a:effectRef idx="0">
+            <a:schemeClr val="accent1"/>
+          </a:effectRef>
+          <a:fontRef idx="minor">
+            <a:schemeClr val="lt1"/>
+          </a:fontRef>
+        </p:style>
+        <p:txBody>
+          <a:bodyPr rtlCol="0" anchor="ctr"/>
+          <a:lstStyle/>
+          <a:p>
+            <a:pPr algn="ctr"/>
+            <a:endParaRPr lang="en-US"/>
+          </a:p>
+        </p:txBody>
+      </p:sp>
+      <p:pic>
+        <p:nvPicPr>
+          <p:cNvPr id="9" name="Picture 8" descr="Icon&#10;&#10;Description automatically generated">
+            <a:extLst>
+              <a:ext uri="{FF2B5EF4-FFF2-40B4-BE49-F238E27FC236}">
+                <a16:creationId xmlns:a16="http://schemas.microsoft.com/office/drawing/2014/main" id="{452874D6-5E11-48D9-9F21-53B6E26F1AF3}"/>
+              </a:ext>
+            </a:extLst>
+          </p:cNvPr>
+          <p:cNvPicPr>
+            <a:picLocks noChangeAspect="1"/>
+          </p:cNvPicPr>
+          <p:nvPr/>
+        </p:nvPicPr>
+        <p:blipFill>
+          <a:blip r:embed="rId2">
+            <a:extLst>
+              <a:ext uri="{28A0092B-C50C-407E-A947-70E740481C1C}">
+                <a14:useLocalDpi xmlns:a14="http://schemas.microsoft.com/office/drawing/2010/main" val="0"/>
+              </a:ext>
+            </a:extLst>
+          </a:blip>
+          <a:stretch>
+            <a:fillRect/>
+          </a:stretch>
+        </p:blipFill>
+        <p:spPr>
+          <a:xfrm flipH="1">
+            <a:off x="2152171" y="1237759"/>
+            <a:ext cx="640080" cy="640080"/>
+          </a:xfrm>
+          <a:prstGeom prst="rect">
+            <a:avLst/>
+          </a:prstGeom>
+        </p:spPr>
+      </p:pic>
+      <p:pic>
+        <p:nvPicPr>
+          <p:cNvPr id="11" name="Picture 10" descr="Shape&#10;&#10;Description automatically generated with medium confidence">
+            <a:extLst>
+              <a:ext uri="{FF2B5EF4-FFF2-40B4-BE49-F238E27FC236}">
+                <a16:creationId xmlns:a16="http://schemas.microsoft.com/office/drawing/2014/main" id="{0A384D91-FA57-40F8-A8B2-7C6A0C89AA98}"/>
+              </a:ext>
+            </a:extLst>
+          </p:cNvPr>
+          <p:cNvPicPr>
+            <a:picLocks noChangeAspect="1"/>
+          </p:cNvPicPr>
+          <p:nvPr/>
+        </p:nvPicPr>
+        <p:blipFill>
+          <a:blip r:embed="rId3">
+            <a:extLst>
+              <a:ext uri="{28A0092B-C50C-407E-A947-70E740481C1C}">
+                <a14:useLocalDpi xmlns:a14="http://schemas.microsoft.com/office/drawing/2010/main" val="0"/>
+              </a:ext>
+            </a:extLst>
+          </a:blip>
+          <a:stretch>
+            <a:fillRect/>
+          </a:stretch>
+        </p:blipFill>
+        <p:spPr>
+          <a:xfrm>
+            <a:off x="115197" y="1828840"/>
+            <a:ext cx="1543024" cy="1167262"/>
+          </a:xfrm>
+          <a:prstGeom prst="rect">
+            <a:avLst/>
+          </a:prstGeom>
+        </p:spPr>
+      </p:pic>
+      <p:sp>
+        <p:nvSpPr>
+          <p:cNvPr id="13" name="Rectangle: Rounded Corners 12">
+            <a:extLst>
+              <a:ext uri="{FF2B5EF4-FFF2-40B4-BE49-F238E27FC236}">
+                <a16:creationId xmlns:a16="http://schemas.microsoft.com/office/drawing/2014/main" id="{46269EF5-18F1-4AC3-8E98-CF5D28DE06D4}"/>
+              </a:ext>
+            </a:extLst>
+          </p:cNvPr>
+          <p:cNvSpPr/>
+          <p:nvPr/>
+        </p:nvSpPr>
+        <p:spPr>
+          <a:xfrm>
+            <a:off x="4030666" y="1038715"/>
+            <a:ext cx="1768051" cy="1900044"/>
+          </a:xfrm>
+          <a:prstGeom prst="roundRect">
+            <a:avLst/>
+          </a:prstGeom>
+        </p:spPr>
+        <p:style>
+          <a:lnRef idx="2">
+            <a:schemeClr val="accent3">
+              <a:shade val="50000"/>
+            </a:schemeClr>
+          </a:lnRef>
+          <a:fillRef idx="1">
+            <a:schemeClr val="accent3"/>
+          </a:fillRef>
+          <a:effectRef idx="0">
+            <a:schemeClr val="accent3"/>
+          </a:effectRef>
+          <a:fontRef idx="minor">
+            <a:schemeClr val="lt1"/>
+          </a:fontRef>
+        </p:style>
+        <p:txBody>
+          <a:bodyPr rtlCol="0" anchor="ctr"/>
+          <a:lstStyle/>
+          <a:p>
+            <a:pPr algn="ctr"/>
+            <a:endParaRPr lang="en-US"/>
+          </a:p>
+        </p:txBody>
+      </p:sp>
+      <p:sp>
+        <p:nvSpPr>
+          <p:cNvPr id="14" name="Rectangle 13">
+            <a:extLst>
+              <a:ext uri="{FF2B5EF4-FFF2-40B4-BE49-F238E27FC236}">
+                <a16:creationId xmlns:a16="http://schemas.microsoft.com/office/drawing/2014/main" id="{5EC77E92-4CD8-4597-AA10-D5B31A9C7E24}"/>
+              </a:ext>
+            </a:extLst>
+          </p:cNvPr>
+          <p:cNvSpPr/>
+          <p:nvPr/>
+        </p:nvSpPr>
+        <p:spPr>
+          <a:xfrm>
+            <a:off x="4195429" y="1419991"/>
+            <a:ext cx="1349760" cy="1122490"/>
+          </a:xfrm>
+          <a:prstGeom prst="rect">
+            <a:avLst/>
+          </a:prstGeom>
+        </p:spPr>
+        <p:style>
+          <a:lnRef idx="0">
+            <a:schemeClr val="accent4"/>
+          </a:lnRef>
+          <a:fillRef idx="3">
+            <a:schemeClr val="accent4"/>
+          </a:fillRef>
+          <a:effectRef idx="3">
+            <a:schemeClr val="accent4"/>
+          </a:effectRef>
+          <a:fontRef idx="minor">
+            <a:schemeClr val="lt1"/>
+          </a:fontRef>
+        </p:style>
+        <p:txBody>
+          <a:bodyPr rtlCol="0" anchor="ctr"/>
+          <a:lstStyle/>
+          <a:p>
+            <a:pPr algn="ctr"/>
+            <a:endParaRPr lang="en-US"/>
+          </a:p>
+        </p:txBody>
+      </p:sp>
+      <p:pic>
+        <p:nvPicPr>
+          <p:cNvPr id="19" name="Picture 18" descr="Shape&#10;&#10;Description automatically generated with medium confidence">
+            <a:extLst>
+              <a:ext uri="{FF2B5EF4-FFF2-40B4-BE49-F238E27FC236}">
+                <a16:creationId xmlns:a16="http://schemas.microsoft.com/office/drawing/2014/main" id="{3FCD603A-4A49-44FD-9D59-77D1DA93060E}"/>
+              </a:ext>
+            </a:extLst>
+          </p:cNvPr>
+          <p:cNvPicPr>
+            <a:picLocks noChangeAspect="1"/>
+          </p:cNvPicPr>
+          <p:nvPr/>
+        </p:nvPicPr>
+        <p:blipFill>
+          <a:blip r:embed="rId3">
+            <a:extLst>
+              <a:ext uri="{28A0092B-C50C-407E-A947-70E740481C1C}">
+                <a14:useLocalDpi xmlns:a14="http://schemas.microsoft.com/office/drawing/2010/main" val="0"/>
+              </a:ext>
+            </a:extLst>
+          </a:blip>
+          <a:stretch>
+            <a:fillRect/>
+          </a:stretch>
+        </p:blipFill>
+        <p:spPr>
+          <a:xfrm>
+            <a:off x="4387395" y="1673206"/>
+            <a:ext cx="1091373" cy="825598"/>
+          </a:xfrm>
+          <a:prstGeom prst="rect">
+            <a:avLst/>
+          </a:prstGeom>
+        </p:spPr>
+      </p:pic>
+      <p:sp>
+        <p:nvSpPr>
+          <p:cNvPr id="12" name="Rectangle 11">
+            <a:extLst>
+              <a:ext uri="{FF2B5EF4-FFF2-40B4-BE49-F238E27FC236}">
+                <a16:creationId xmlns:a16="http://schemas.microsoft.com/office/drawing/2014/main" id="{405AF615-3E66-4B7F-A232-44806CD1B31F}"/>
+              </a:ext>
+            </a:extLst>
+          </p:cNvPr>
+          <p:cNvSpPr/>
+          <p:nvPr/>
+        </p:nvSpPr>
+        <p:spPr>
+          <a:xfrm>
+            <a:off x="4297651" y="1623940"/>
+            <a:ext cx="563238" cy="450622"/>
+          </a:xfrm>
+          <a:prstGeom prst="rect">
+            <a:avLst/>
+          </a:prstGeom>
+          <a:noFill/>
+          <a:ln w="38100">
+            <a:solidFill>
+              <a:srgbClr val="FF0000"/>
+            </a:solidFill>
+          </a:ln>
+        </p:spPr>
+        <p:style>
+          <a:lnRef idx="2">
+            <a:schemeClr val="accent1">
+              <a:shade val="50000"/>
+            </a:schemeClr>
+          </a:lnRef>
+          <a:fillRef idx="1">
+            <a:schemeClr val="accent1"/>
+          </a:fillRef>
+          <a:effectRef idx="0">
+            <a:schemeClr val="accent1"/>
+          </a:effectRef>
+          <a:fontRef idx="minor">
+            <a:schemeClr val="lt1"/>
+          </a:fontRef>
+        </p:style>
+        <p:txBody>
+          <a:bodyPr rtlCol="0" anchor="ctr"/>
+          <a:lstStyle/>
+          <a:p>
+            <a:pPr algn="ctr"/>
+            <a:endParaRPr lang="en-US"/>
+          </a:p>
+        </p:txBody>
+      </p:sp>
+      <p:sp>
+        <p:nvSpPr>
+          <p:cNvPr id="15" name="TextBox 14">
+            <a:extLst>
+              <a:ext uri="{FF2B5EF4-FFF2-40B4-BE49-F238E27FC236}">
+                <a16:creationId xmlns:a16="http://schemas.microsoft.com/office/drawing/2014/main" id="{63CC1DFB-E2B8-4DF1-B3C1-84C9425F9765}"/>
+              </a:ext>
+            </a:extLst>
+          </p:cNvPr>
+          <p:cNvSpPr txBox="1"/>
+          <p:nvPr/>
+        </p:nvSpPr>
+        <p:spPr>
+          <a:xfrm>
+            <a:off x="3706395" y="2669165"/>
+            <a:ext cx="2453371" cy="261610"/>
+          </a:xfrm>
+          <a:prstGeom prst="rect">
+            <a:avLst/>
+          </a:prstGeom>
+          <a:noFill/>
+        </p:spPr>
+        <p:txBody>
+          <a:bodyPr wrap="square" rtlCol="0">
+            <a:spAutoFit/>
+          </a:bodyPr>
+          <a:lstStyle/>
+          <a:p>
+            <a:pPr algn="ctr"/>
+            <a:r>
+              <a:rPr lang="en-US" sz="1100" dirty="0"/>
+              <a:t>Detect object with YOLOv5</a:t>
+            </a:r>
+          </a:p>
+        </p:txBody>
+      </p:sp>
+      <p:sp>
+        <p:nvSpPr>
+          <p:cNvPr id="24" name="TextBox 23">
+            <a:extLst>
+              <a:ext uri="{FF2B5EF4-FFF2-40B4-BE49-F238E27FC236}">
+                <a16:creationId xmlns:a16="http://schemas.microsoft.com/office/drawing/2014/main" id="{9FA3F443-ED63-47A2-8390-E64385711759}"/>
+              </a:ext>
+            </a:extLst>
+          </p:cNvPr>
+          <p:cNvSpPr txBox="1"/>
+          <p:nvPr/>
+        </p:nvSpPr>
+        <p:spPr>
+          <a:xfrm>
+            <a:off x="3176670" y="1411926"/>
+            <a:ext cx="2453371" cy="261610"/>
+          </a:xfrm>
+          <a:prstGeom prst="rect">
+            <a:avLst/>
+          </a:prstGeom>
+          <a:noFill/>
+        </p:spPr>
+        <p:txBody>
+          <a:bodyPr wrap="square" rtlCol="0">
+            <a:spAutoFit/>
+          </a:bodyPr>
+          <a:lstStyle/>
+          <a:p>
+            <a:pPr algn="ctr"/>
+            <a:r>
+              <a:rPr lang="en-US" sz="1100" dirty="0"/>
+              <a:t>knife</a:t>
+            </a:r>
+          </a:p>
+        </p:txBody>
+      </p:sp>
+      <p:pic>
+        <p:nvPicPr>
+          <p:cNvPr id="17" name="Picture 16" descr="Icon&#10;&#10;Description automatically generated">
+            <a:extLst>
+              <a:ext uri="{FF2B5EF4-FFF2-40B4-BE49-F238E27FC236}">
+                <a16:creationId xmlns:a16="http://schemas.microsoft.com/office/drawing/2014/main" id="{06AC4217-CD2B-4057-80F4-0B428F85E42B}"/>
+              </a:ext>
+            </a:extLst>
+          </p:cNvPr>
+          <p:cNvPicPr>
+            <a:picLocks noChangeAspect="1"/>
+          </p:cNvPicPr>
+          <p:nvPr/>
+        </p:nvPicPr>
+        <p:blipFill>
+          <a:blip r:embed="rId4">
+            <a:extLst>
+              <a:ext uri="{28A0092B-C50C-407E-A947-70E740481C1C}">
+                <a14:useLocalDpi xmlns:a14="http://schemas.microsoft.com/office/drawing/2010/main" val="0"/>
+              </a:ext>
+            </a:extLst>
+          </a:blip>
+          <a:stretch>
+            <a:fillRect/>
+          </a:stretch>
+        </p:blipFill>
+        <p:spPr>
+          <a:xfrm>
+            <a:off x="2152171" y="2349125"/>
+            <a:ext cx="640080" cy="640080"/>
+          </a:xfrm>
+          <a:prstGeom prst="rect">
+            <a:avLst/>
+          </a:prstGeom>
+        </p:spPr>
+      </p:pic>
+      <p:sp>
+        <p:nvSpPr>
+          <p:cNvPr id="28" name="TextBox 27">
+            <a:extLst>
+              <a:ext uri="{FF2B5EF4-FFF2-40B4-BE49-F238E27FC236}">
+                <a16:creationId xmlns:a16="http://schemas.microsoft.com/office/drawing/2014/main" id="{33DEC534-BFB8-4D94-A3C7-69E7341E4C69}"/>
+              </a:ext>
+            </a:extLst>
+          </p:cNvPr>
+          <p:cNvSpPr txBox="1"/>
+          <p:nvPr/>
+        </p:nvSpPr>
+        <p:spPr>
+          <a:xfrm>
+            <a:off x="1236351" y="1814956"/>
+            <a:ext cx="2453371" cy="307777"/>
+          </a:xfrm>
+          <a:prstGeom prst="rect">
+            <a:avLst/>
+          </a:prstGeom>
+          <a:noFill/>
+        </p:spPr>
+        <p:txBody>
+          <a:bodyPr wrap="square" rtlCol="0">
+            <a:spAutoFit/>
+          </a:bodyPr>
+          <a:lstStyle/>
+          <a:p>
+            <a:pPr algn="ctr"/>
+            <a:r>
+              <a:rPr lang="en-US" sz="1400" dirty="0"/>
+              <a:t>CCTV</a:t>
+            </a:r>
+          </a:p>
+        </p:txBody>
+      </p:sp>
+      <p:sp>
+        <p:nvSpPr>
+          <p:cNvPr id="29" name="TextBox 28">
+            <a:extLst>
+              <a:ext uri="{FF2B5EF4-FFF2-40B4-BE49-F238E27FC236}">
+                <a16:creationId xmlns:a16="http://schemas.microsoft.com/office/drawing/2014/main" id="{406DE410-5804-4FD7-B2BA-573FBB61E105}"/>
+              </a:ext>
+            </a:extLst>
+          </p:cNvPr>
+          <p:cNvSpPr txBox="1"/>
+          <p:nvPr/>
+        </p:nvSpPr>
+        <p:spPr>
+          <a:xfrm>
+            <a:off x="1282794" y="2935437"/>
+            <a:ext cx="2453371" cy="307777"/>
+          </a:xfrm>
+          <a:prstGeom prst="rect">
+            <a:avLst/>
+          </a:prstGeom>
+          <a:noFill/>
+        </p:spPr>
+        <p:txBody>
+          <a:bodyPr wrap="square" rtlCol="0">
+            <a:spAutoFit/>
+          </a:bodyPr>
+          <a:lstStyle/>
+          <a:p>
+            <a:pPr algn="ctr"/>
+            <a:r>
+              <a:rPr lang="en-US" sz="1400" dirty="0"/>
+              <a:t>Image upload</a:t>
+            </a:r>
+          </a:p>
+        </p:txBody>
+      </p:sp>
+      <p:sp>
+        <p:nvSpPr>
+          <p:cNvPr id="18" name="Arrow: Right 17">
+            <a:extLst>
+              <a:ext uri="{FF2B5EF4-FFF2-40B4-BE49-F238E27FC236}">
+                <a16:creationId xmlns:a16="http://schemas.microsoft.com/office/drawing/2014/main" id="{5B013602-3383-43F9-B3EC-02C075C2B575}"/>
+              </a:ext>
+            </a:extLst>
+          </p:cNvPr>
+          <p:cNvSpPr/>
+          <p:nvPr/>
+        </p:nvSpPr>
+        <p:spPr>
+          <a:xfrm>
+            <a:off x="2922598" y="1475713"/>
+            <a:ext cx="697234" cy="186134"/>
+          </a:xfrm>
+          <a:prstGeom prst="rightArrow">
+            <a:avLst/>
+          </a:prstGeom>
+        </p:spPr>
+        <p:style>
+          <a:lnRef idx="1">
+            <a:schemeClr val="accent6"/>
+          </a:lnRef>
+          <a:fillRef idx="2">
+            <a:schemeClr val="accent6"/>
+          </a:fillRef>
+          <a:effectRef idx="1">
+            <a:schemeClr val="accent6"/>
+          </a:effectRef>
+          <a:fontRef idx="minor">
+            <a:schemeClr val="dk1"/>
+          </a:fontRef>
+        </p:style>
+        <p:txBody>
+          <a:bodyPr rtlCol="0" anchor="ctr"/>
+          <a:lstStyle/>
+          <a:p>
+            <a:pPr algn="ctr"/>
+            <a:endParaRPr lang="en-US"/>
+          </a:p>
+        </p:txBody>
+      </p:sp>
+      <p:sp>
+        <p:nvSpPr>
+          <p:cNvPr id="31" name="Arrow: Right 30">
+            <a:extLst>
+              <a:ext uri="{FF2B5EF4-FFF2-40B4-BE49-F238E27FC236}">
+                <a16:creationId xmlns:a16="http://schemas.microsoft.com/office/drawing/2014/main" id="{00269ECC-B41A-460E-93C5-822D42247159}"/>
+              </a:ext>
+            </a:extLst>
+          </p:cNvPr>
+          <p:cNvSpPr/>
+          <p:nvPr/>
+        </p:nvSpPr>
+        <p:spPr>
+          <a:xfrm>
+            <a:off x="2932729" y="2560243"/>
+            <a:ext cx="697234" cy="186134"/>
+          </a:xfrm>
+          <a:prstGeom prst="rightArrow">
+            <a:avLst/>
+          </a:prstGeom>
+        </p:spPr>
+        <p:style>
+          <a:lnRef idx="1">
+            <a:schemeClr val="accent6"/>
+          </a:lnRef>
+          <a:fillRef idx="2">
+            <a:schemeClr val="accent6"/>
+          </a:fillRef>
+          <a:effectRef idx="1">
+            <a:schemeClr val="accent6"/>
+          </a:effectRef>
+          <a:fontRef idx="minor">
+            <a:schemeClr val="dk1"/>
+          </a:fontRef>
+        </p:style>
+        <p:txBody>
+          <a:bodyPr rtlCol="0" anchor="ctr"/>
+          <a:lstStyle/>
+          <a:p>
+            <a:pPr algn="ctr"/>
+            <a:endParaRPr lang="en-US"/>
+          </a:p>
+        </p:txBody>
+      </p:sp>
+      <p:sp>
+        <p:nvSpPr>
+          <p:cNvPr id="33" name="TextBox 32">
+            <a:extLst>
+              <a:ext uri="{FF2B5EF4-FFF2-40B4-BE49-F238E27FC236}">
+                <a16:creationId xmlns:a16="http://schemas.microsoft.com/office/drawing/2014/main" id="{E3A9743A-6F91-4CA4-819A-DF774560973A}"/>
+              </a:ext>
+            </a:extLst>
+          </p:cNvPr>
+          <p:cNvSpPr txBox="1"/>
+          <p:nvPr/>
+        </p:nvSpPr>
+        <p:spPr>
+          <a:xfrm>
+            <a:off x="3706395" y="2904636"/>
+            <a:ext cx="2453371" cy="261610"/>
+          </a:xfrm>
+          <a:prstGeom prst="rect">
+            <a:avLst/>
+          </a:prstGeom>
+          <a:noFill/>
+        </p:spPr>
+        <p:txBody>
+          <a:bodyPr wrap="square" rtlCol="0">
+            <a:spAutoFit/>
+          </a:bodyPr>
+          <a:lstStyle/>
+          <a:p>
+            <a:pPr algn="ctr"/>
+            <a:r>
+              <a:rPr lang="en-US" sz="1100" b="1" dirty="0">
+                <a:solidFill>
+                  <a:schemeClr val="bg1"/>
+                </a:solidFill>
+              </a:rPr>
+              <a:t>Docker </a:t>
+            </a:r>
+            <a:r>
+              <a:rPr lang="en-US" sz="1100" b="0" i="0" dirty="0">
+                <a:solidFill>
+                  <a:srgbClr val="BDC1C6"/>
+                </a:solidFill>
+                <a:effectLst/>
+                <a:latin typeface="Roboto" panose="02000000000000000000" pitchFamily="2" charset="0"/>
+              </a:rPr>
+              <a:t>🐳 </a:t>
+            </a:r>
+            <a:r>
+              <a:rPr lang="en-US" sz="1100" b="1" dirty="0">
+                <a:solidFill>
+                  <a:schemeClr val="bg1"/>
+                </a:solidFill>
+              </a:rPr>
+              <a:t>container</a:t>
+            </a:r>
+            <a:endParaRPr lang="en-US" sz="1100" u="sng" dirty="0">
+              <a:solidFill>
+                <a:srgbClr val="8AB4F8"/>
+              </a:solidFill>
+              <a:latin typeface="Roboto" panose="02000000000000000000" pitchFamily="2" charset="0"/>
+            </a:endParaRPr>
+          </a:p>
+        </p:txBody>
+      </p:sp>
+      <p:pic>
+        <p:nvPicPr>
+          <p:cNvPr id="25" name="Picture 24" descr="Icon&#10;&#10;Description automatically generated">
+            <a:extLst>
+              <a:ext uri="{FF2B5EF4-FFF2-40B4-BE49-F238E27FC236}">
+                <a16:creationId xmlns:a16="http://schemas.microsoft.com/office/drawing/2014/main" id="{468901FD-5AF5-48DC-AEDE-B10242CB97CA}"/>
+              </a:ext>
+            </a:extLst>
+          </p:cNvPr>
+          <p:cNvPicPr>
+            <a:picLocks noChangeAspect="1"/>
+          </p:cNvPicPr>
+          <p:nvPr/>
+        </p:nvPicPr>
+        <p:blipFill>
+          <a:blip r:embed="rId5">
+            <a:extLst>
+              <a:ext uri="{28A0092B-C50C-407E-A947-70E740481C1C}">
+                <a14:useLocalDpi xmlns:a14="http://schemas.microsoft.com/office/drawing/2010/main" val="0"/>
+              </a:ext>
+            </a:extLst>
+          </a:blip>
+          <a:stretch>
+            <a:fillRect/>
+          </a:stretch>
+        </p:blipFill>
+        <p:spPr>
+          <a:xfrm>
+            <a:off x="7812480" y="1155968"/>
+            <a:ext cx="2743350" cy="1730089"/>
+          </a:xfrm>
+          <a:prstGeom prst="rect">
+            <a:avLst/>
+          </a:prstGeom>
+        </p:spPr>
+      </p:pic>
+      <p:sp>
+        <p:nvSpPr>
+          <p:cNvPr id="44" name="Rectangle: Rounded Corners 43">
+            <a:extLst>
+              <a:ext uri="{FF2B5EF4-FFF2-40B4-BE49-F238E27FC236}">
+                <a16:creationId xmlns:a16="http://schemas.microsoft.com/office/drawing/2014/main" id="{BB03496A-E2B5-4E6B-95AF-EFAB2E8C069B}"/>
+              </a:ext>
+            </a:extLst>
+          </p:cNvPr>
+          <p:cNvSpPr/>
+          <p:nvPr/>
+        </p:nvSpPr>
+        <p:spPr>
+          <a:xfrm>
+            <a:off x="7924728" y="4030416"/>
+            <a:ext cx="2189906" cy="2284854"/>
+          </a:xfrm>
+          <a:prstGeom prst="roundRect">
+            <a:avLst/>
+          </a:prstGeom>
+        </p:spPr>
+        <p:style>
+          <a:lnRef idx="2">
+            <a:schemeClr val="accent1">
+              <a:shade val="50000"/>
+            </a:schemeClr>
+          </a:lnRef>
+          <a:fillRef idx="1">
+            <a:schemeClr val="accent1"/>
+          </a:fillRef>
+          <a:effectRef idx="0">
+            <a:schemeClr val="accent1"/>
+          </a:effectRef>
+          <a:fontRef idx="minor">
+            <a:schemeClr val="lt1"/>
+          </a:fontRef>
+        </p:style>
+        <p:txBody>
+          <a:bodyPr rtlCol="0" anchor="ctr"/>
+          <a:lstStyle/>
+          <a:p>
+            <a:pPr algn="ctr"/>
+            <a:endParaRPr lang="en-US"/>
+          </a:p>
+        </p:txBody>
+      </p:sp>
+      <p:sp>
+        <p:nvSpPr>
+          <p:cNvPr id="45" name="Rectangle: Rounded Corners 44">
+            <a:extLst>
+              <a:ext uri="{FF2B5EF4-FFF2-40B4-BE49-F238E27FC236}">
+                <a16:creationId xmlns:a16="http://schemas.microsoft.com/office/drawing/2014/main" id="{E0407593-9F3D-43DB-97DC-9A76ED54E3EA}"/>
+              </a:ext>
+            </a:extLst>
+          </p:cNvPr>
+          <p:cNvSpPr/>
+          <p:nvPr/>
+        </p:nvSpPr>
+        <p:spPr>
+          <a:xfrm>
+            <a:off x="8189458" y="4198266"/>
+            <a:ext cx="1768051" cy="1900044"/>
+          </a:xfrm>
+          <a:prstGeom prst="roundRect">
+            <a:avLst/>
+          </a:prstGeom>
+        </p:spPr>
+        <p:style>
+          <a:lnRef idx="2">
+            <a:schemeClr val="accent3">
+              <a:shade val="50000"/>
+            </a:schemeClr>
+          </a:lnRef>
+          <a:fillRef idx="1">
+            <a:schemeClr val="accent3"/>
+          </a:fillRef>
+          <a:effectRef idx="0">
+            <a:schemeClr val="accent3"/>
+          </a:effectRef>
+          <a:fontRef idx="minor">
+            <a:schemeClr val="lt1"/>
+          </a:fontRef>
+        </p:style>
+        <p:txBody>
+          <a:bodyPr rtlCol="0" anchor="ctr"/>
+          <a:lstStyle/>
+          <a:p>
+            <a:pPr algn="ctr"/>
+            <a:endParaRPr lang="en-US"/>
+          </a:p>
+        </p:txBody>
+      </p:sp>
+      <p:sp>
+        <p:nvSpPr>
+          <p:cNvPr id="46" name="Rectangle 45">
+            <a:extLst>
+              <a:ext uri="{FF2B5EF4-FFF2-40B4-BE49-F238E27FC236}">
+                <a16:creationId xmlns:a16="http://schemas.microsoft.com/office/drawing/2014/main" id="{B55C210B-40AD-4231-9507-B2FF9BDAFFA7}"/>
+              </a:ext>
+            </a:extLst>
+          </p:cNvPr>
+          <p:cNvSpPr/>
+          <p:nvPr/>
+        </p:nvSpPr>
+        <p:spPr>
+          <a:xfrm>
+            <a:off x="8366759" y="4617768"/>
+            <a:ext cx="1324199" cy="1031380"/>
+          </a:xfrm>
+          <a:prstGeom prst="rect">
+            <a:avLst/>
+          </a:prstGeom>
+        </p:spPr>
+        <p:style>
+          <a:lnRef idx="0">
+            <a:schemeClr val="accent4"/>
+          </a:lnRef>
+          <a:fillRef idx="3">
+            <a:schemeClr val="accent4"/>
+          </a:fillRef>
+          <a:effectRef idx="3">
+            <a:schemeClr val="accent4"/>
+          </a:effectRef>
+          <a:fontRef idx="minor">
+            <a:schemeClr val="lt1"/>
+          </a:fontRef>
+        </p:style>
+        <p:txBody>
+          <a:bodyPr rtlCol="0" anchor="ctr"/>
+          <a:lstStyle/>
+          <a:p>
+            <a:r>
+              <a:rPr lang="en-US" sz="1100" dirty="0">
+                <a:solidFill>
+                  <a:schemeClr val="tx1"/>
+                </a:solidFill>
+              </a:rPr>
+              <a:t>Send:</a:t>
+            </a:r>
+          </a:p>
+          <a:p>
+            <a:pPr marL="342900" indent="-342900">
+              <a:buAutoNum type="arabicPeriod"/>
+            </a:pPr>
+            <a:r>
+              <a:rPr lang="en-US" sz="1100" dirty="0">
+                <a:solidFill>
+                  <a:schemeClr val="tx1"/>
+                </a:solidFill>
+              </a:rPr>
+              <a:t>Email</a:t>
+            </a:r>
+          </a:p>
+          <a:p>
+            <a:pPr marL="342900" indent="-342900">
+              <a:buAutoNum type="arabicPeriod"/>
+            </a:pPr>
+            <a:r>
+              <a:rPr lang="en-US" sz="1100" dirty="0">
+                <a:solidFill>
+                  <a:schemeClr val="tx1"/>
+                </a:solidFill>
+              </a:rPr>
+              <a:t>SMS</a:t>
+            </a:r>
+          </a:p>
+          <a:p>
+            <a:pPr marL="342900" indent="-342900">
+              <a:buAutoNum type="arabicPeriod"/>
+            </a:pPr>
+            <a:r>
+              <a:rPr lang="en-US" sz="1100" dirty="0">
+                <a:solidFill>
+                  <a:schemeClr val="tx1"/>
+                </a:solidFill>
+              </a:rPr>
+              <a:t>Push </a:t>
+            </a:r>
+            <a:r>
+              <a:rPr lang="en-US" sz="1100" dirty="0" err="1">
+                <a:solidFill>
+                  <a:schemeClr val="tx1"/>
+                </a:solidFill>
+              </a:rPr>
+              <a:t>Notif</a:t>
+            </a:r>
+            <a:endParaRPr lang="en-US" sz="1100" dirty="0">
+              <a:solidFill>
+                <a:schemeClr val="tx1"/>
+              </a:solidFill>
+            </a:endParaRPr>
+          </a:p>
+        </p:txBody>
+      </p:sp>
+      <p:sp>
+        <p:nvSpPr>
+          <p:cNvPr id="49" name="TextBox 48">
+            <a:extLst>
+              <a:ext uri="{FF2B5EF4-FFF2-40B4-BE49-F238E27FC236}">
+                <a16:creationId xmlns:a16="http://schemas.microsoft.com/office/drawing/2014/main" id="{8F12C8FF-154C-46AB-AF6A-54075C951F21}"/>
+              </a:ext>
+            </a:extLst>
+          </p:cNvPr>
+          <p:cNvSpPr txBox="1"/>
+          <p:nvPr/>
+        </p:nvSpPr>
+        <p:spPr>
+          <a:xfrm>
+            <a:off x="7865187" y="5858091"/>
+            <a:ext cx="2453371" cy="261610"/>
+          </a:xfrm>
+          <a:prstGeom prst="rect">
+            <a:avLst/>
+          </a:prstGeom>
+          <a:noFill/>
+        </p:spPr>
+        <p:txBody>
+          <a:bodyPr wrap="square" rtlCol="0">
+            <a:spAutoFit/>
+          </a:bodyPr>
+          <a:lstStyle/>
+          <a:p>
+            <a:pPr algn="ctr"/>
+            <a:r>
+              <a:rPr lang="en-US" sz="1100" dirty="0"/>
+              <a:t>Event Notifier</a:t>
+            </a:r>
+          </a:p>
+        </p:txBody>
+      </p:sp>
+      <p:sp>
+        <p:nvSpPr>
+          <p:cNvPr id="50" name="TextBox 49">
+            <a:extLst>
+              <a:ext uri="{FF2B5EF4-FFF2-40B4-BE49-F238E27FC236}">
+                <a16:creationId xmlns:a16="http://schemas.microsoft.com/office/drawing/2014/main" id="{FC9C4C9D-2B1A-4360-8C51-F0324BB20F86}"/>
+              </a:ext>
+            </a:extLst>
+          </p:cNvPr>
+          <p:cNvSpPr txBox="1"/>
+          <p:nvPr/>
+        </p:nvSpPr>
+        <p:spPr>
+          <a:xfrm>
+            <a:off x="7865187" y="6064187"/>
+            <a:ext cx="2453371" cy="261610"/>
+          </a:xfrm>
+          <a:prstGeom prst="rect">
+            <a:avLst/>
+          </a:prstGeom>
+          <a:noFill/>
+        </p:spPr>
+        <p:txBody>
+          <a:bodyPr wrap="square" rtlCol="0">
+            <a:spAutoFit/>
+          </a:bodyPr>
+          <a:lstStyle/>
+          <a:p>
+            <a:pPr algn="ctr"/>
+            <a:r>
+              <a:rPr lang="en-US" sz="1100" b="1" dirty="0">
+                <a:solidFill>
+                  <a:schemeClr val="bg1"/>
+                </a:solidFill>
+              </a:rPr>
+              <a:t>Docker </a:t>
+            </a:r>
+            <a:r>
+              <a:rPr lang="en-US" sz="1100" b="0" i="0" dirty="0">
+                <a:solidFill>
+                  <a:srgbClr val="BDC1C6"/>
+                </a:solidFill>
+                <a:effectLst/>
+                <a:latin typeface="Roboto" panose="02000000000000000000" pitchFamily="2" charset="0"/>
+              </a:rPr>
+              <a:t>🐳 </a:t>
+            </a:r>
+            <a:r>
+              <a:rPr lang="en-US" sz="1100" b="1" dirty="0">
+                <a:solidFill>
+                  <a:schemeClr val="bg1"/>
+                </a:solidFill>
+              </a:rPr>
+              <a:t>container</a:t>
+            </a:r>
+            <a:endParaRPr lang="en-US" sz="1100" u="sng" dirty="0">
+              <a:solidFill>
+                <a:srgbClr val="8AB4F8"/>
+              </a:solidFill>
+              <a:latin typeface="Roboto" panose="02000000000000000000" pitchFamily="2" charset="0"/>
+            </a:endParaRPr>
+          </a:p>
+        </p:txBody>
+      </p:sp>
+      <p:pic>
+        <p:nvPicPr>
+          <p:cNvPr id="30" name="Picture 29" descr="Shape&#10;&#10;Description automatically generated with medium confidence">
+            <a:extLst>
+              <a:ext uri="{FF2B5EF4-FFF2-40B4-BE49-F238E27FC236}">
+                <a16:creationId xmlns:a16="http://schemas.microsoft.com/office/drawing/2014/main" id="{B54D663A-EEE2-4BDF-A6FD-997ED4EFEB1A}"/>
+              </a:ext>
+            </a:extLst>
+          </p:cNvPr>
+          <p:cNvPicPr>
+            <a:picLocks noChangeAspect="1"/>
+          </p:cNvPicPr>
+          <p:nvPr/>
+        </p:nvPicPr>
+        <p:blipFill>
+          <a:blip r:embed="rId6">
+            <a:extLst>
+              <a:ext uri="{28A0092B-C50C-407E-A947-70E740481C1C}">
+                <a14:useLocalDpi xmlns:a14="http://schemas.microsoft.com/office/drawing/2010/main" val="0"/>
+              </a:ext>
+            </a:extLst>
+          </a:blip>
+          <a:stretch>
+            <a:fillRect/>
+          </a:stretch>
+        </p:blipFill>
+        <p:spPr>
+          <a:xfrm>
+            <a:off x="8440393" y="1661847"/>
+            <a:ext cx="1487523" cy="781903"/>
+          </a:xfrm>
+          <a:prstGeom prst="rect">
+            <a:avLst/>
+          </a:prstGeom>
+        </p:spPr>
+      </p:pic>
+      <p:pic>
+        <p:nvPicPr>
+          <p:cNvPr id="39" name="Picture 38" descr="Shape&#10;&#10;Description automatically generated with low confidence">
+            <a:extLst>
+              <a:ext uri="{FF2B5EF4-FFF2-40B4-BE49-F238E27FC236}">
+                <a16:creationId xmlns:a16="http://schemas.microsoft.com/office/drawing/2014/main" id="{2AB1A11D-861C-41D1-A588-84E109F36A5F}"/>
+              </a:ext>
+            </a:extLst>
+          </p:cNvPr>
+          <p:cNvPicPr>
+            <a:picLocks noChangeAspect="1"/>
+          </p:cNvPicPr>
+          <p:nvPr/>
+        </p:nvPicPr>
+        <p:blipFill>
+          <a:blip r:embed="rId7">
+            <a:extLst>
+              <a:ext uri="{28A0092B-C50C-407E-A947-70E740481C1C}">
+                <a14:useLocalDpi xmlns:a14="http://schemas.microsoft.com/office/drawing/2010/main" val="0"/>
+              </a:ext>
+            </a:extLst>
+          </a:blip>
+          <a:stretch>
+            <a:fillRect/>
+          </a:stretch>
+        </p:blipFill>
+        <p:spPr>
+          <a:xfrm>
+            <a:off x="6788373" y="1257236"/>
+            <a:ext cx="343109" cy="557720"/>
+          </a:xfrm>
+          <a:prstGeom prst="rect">
+            <a:avLst/>
+          </a:prstGeom>
+        </p:spPr>
+      </p:pic>
+      <p:sp>
+        <p:nvSpPr>
+          <p:cNvPr id="55" name="Arrow: Right 54">
+            <a:extLst>
+              <a:ext uri="{FF2B5EF4-FFF2-40B4-BE49-F238E27FC236}">
+                <a16:creationId xmlns:a16="http://schemas.microsoft.com/office/drawing/2014/main" id="{3A3BF9DD-37D7-4FDD-A6AD-1647FD94E1CF}"/>
+              </a:ext>
+            </a:extLst>
+          </p:cNvPr>
+          <p:cNvSpPr/>
+          <p:nvPr/>
+        </p:nvSpPr>
+        <p:spPr>
+          <a:xfrm>
+            <a:off x="6167395" y="1970581"/>
+            <a:ext cx="1556821" cy="186134"/>
+          </a:xfrm>
+          <a:prstGeom prst="rightArrow">
+            <a:avLst/>
+          </a:prstGeom>
+        </p:spPr>
+        <p:style>
+          <a:lnRef idx="1">
+            <a:schemeClr val="accent6"/>
+          </a:lnRef>
+          <a:fillRef idx="2">
+            <a:schemeClr val="accent6"/>
+          </a:fillRef>
+          <a:effectRef idx="1">
+            <a:schemeClr val="accent6"/>
+          </a:effectRef>
+          <a:fontRef idx="minor">
+            <a:schemeClr val="dk1"/>
+          </a:fontRef>
+        </p:style>
+        <p:txBody>
+          <a:bodyPr rtlCol="0" anchor="ctr"/>
+          <a:lstStyle/>
+          <a:p>
+            <a:pPr algn="ctr"/>
+            <a:endParaRPr lang="en-US"/>
+          </a:p>
+        </p:txBody>
+      </p:sp>
+      <p:pic>
+        <p:nvPicPr>
+          <p:cNvPr id="56" name="Picture 55" descr="Shape&#10;&#10;Description automatically generated with low confidence">
+            <a:extLst>
+              <a:ext uri="{FF2B5EF4-FFF2-40B4-BE49-F238E27FC236}">
+                <a16:creationId xmlns:a16="http://schemas.microsoft.com/office/drawing/2014/main" id="{6EF47533-0E52-4002-B430-99DA84FDBEE6}"/>
+              </a:ext>
+            </a:extLst>
+          </p:cNvPr>
+          <p:cNvPicPr>
+            <a:picLocks noChangeAspect="1"/>
+          </p:cNvPicPr>
+          <p:nvPr/>
+        </p:nvPicPr>
+        <p:blipFill>
+          <a:blip r:embed="rId7">
+            <a:extLst>
+              <a:ext uri="{28A0092B-C50C-407E-A947-70E740481C1C}">
+                <a14:useLocalDpi xmlns:a14="http://schemas.microsoft.com/office/drawing/2010/main" val="0"/>
+              </a:ext>
+            </a:extLst>
+          </a:blip>
+          <a:stretch>
+            <a:fillRect/>
+          </a:stretch>
+        </p:blipFill>
+        <p:spPr>
+          <a:xfrm>
+            <a:off x="9184154" y="3120648"/>
+            <a:ext cx="343109" cy="557720"/>
+          </a:xfrm>
+          <a:prstGeom prst="rect">
+            <a:avLst/>
+          </a:prstGeom>
+        </p:spPr>
+      </p:pic>
+      <p:sp>
+        <p:nvSpPr>
+          <p:cNvPr id="57" name="Arrow: Right 56">
+            <a:extLst>
+              <a:ext uri="{FF2B5EF4-FFF2-40B4-BE49-F238E27FC236}">
+                <a16:creationId xmlns:a16="http://schemas.microsoft.com/office/drawing/2014/main" id="{6D68D01A-F4E8-49C6-B1A1-09D41EDAE182}"/>
+              </a:ext>
+            </a:extLst>
+          </p:cNvPr>
+          <p:cNvSpPr/>
+          <p:nvPr/>
+        </p:nvSpPr>
+        <p:spPr>
+          <a:xfrm rot="5400000">
+            <a:off x="8589998" y="3312138"/>
+            <a:ext cx="1038296" cy="186134"/>
+          </a:xfrm>
+          <a:prstGeom prst="rightArrow">
+            <a:avLst/>
+          </a:prstGeom>
+        </p:spPr>
+        <p:style>
+          <a:lnRef idx="1">
+            <a:schemeClr val="accent6"/>
+          </a:lnRef>
+          <a:fillRef idx="2">
+            <a:schemeClr val="accent6"/>
+          </a:fillRef>
+          <a:effectRef idx="1">
+            <a:schemeClr val="accent6"/>
+          </a:effectRef>
+          <a:fontRef idx="minor">
+            <a:schemeClr val="dk1"/>
+          </a:fontRef>
+        </p:style>
+        <p:txBody>
+          <a:bodyPr rtlCol="0" anchor="ctr"/>
+          <a:lstStyle/>
+          <a:p>
+            <a:pPr algn="ctr"/>
+            <a:endParaRPr lang="en-US"/>
+          </a:p>
+        </p:txBody>
+      </p:sp>
+      <p:sp>
+        <p:nvSpPr>
+          <p:cNvPr id="58" name="TextBox 57">
+            <a:extLst>
+              <a:ext uri="{FF2B5EF4-FFF2-40B4-BE49-F238E27FC236}">
+                <a16:creationId xmlns:a16="http://schemas.microsoft.com/office/drawing/2014/main" id="{7F710FFB-174A-417D-BD1F-14EDF0735BD5}"/>
+              </a:ext>
+            </a:extLst>
+          </p:cNvPr>
+          <p:cNvSpPr txBox="1"/>
+          <p:nvPr/>
+        </p:nvSpPr>
+        <p:spPr>
+          <a:xfrm>
+            <a:off x="5695480" y="1771209"/>
+            <a:ext cx="2453371" cy="307777"/>
+          </a:xfrm>
+          <a:prstGeom prst="rect">
+            <a:avLst/>
+          </a:prstGeom>
+          <a:noFill/>
+        </p:spPr>
+        <p:txBody>
+          <a:bodyPr wrap="square" rtlCol="0">
+            <a:spAutoFit/>
+          </a:bodyPr>
+          <a:lstStyle/>
+          <a:p>
+            <a:pPr algn="ctr"/>
+            <a:r>
+              <a:rPr lang="en-US" sz="1400" dirty="0"/>
+              <a:t>Kafka Producer</a:t>
+            </a:r>
+          </a:p>
+        </p:txBody>
+      </p:sp>
+      <p:sp>
+        <p:nvSpPr>
+          <p:cNvPr id="59" name="TextBox 58">
+            <a:extLst>
+              <a:ext uri="{FF2B5EF4-FFF2-40B4-BE49-F238E27FC236}">
+                <a16:creationId xmlns:a16="http://schemas.microsoft.com/office/drawing/2014/main" id="{A79D2EAA-2582-4ACB-90E6-EF2D2933D5F9}"/>
+              </a:ext>
+            </a:extLst>
+          </p:cNvPr>
+          <p:cNvSpPr txBox="1"/>
+          <p:nvPr/>
+        </p:nvSpPr>
+        <p:spPr>
+          <a:xfrm>
+            <a:off x="8116003" y="3137898"/>
+            <a:ext cx="1001872" cy="523220"/>
+          </a:xfrm>
+          <a:prstGeom prst="rect">
+            <a:avLst/>
+          </a:prstGeom>
+          <a:noFill/>
+        </p:spPr>
+        <p:txBody>
+          <a:bodyPr wrap="square" rtlCol="0">
+            <a:spAutoFit/>
+          </a:bodyPr>
+          <a:lstStyle/>
+          <a:p>
+            <a:pPr algn="ctr"/>
+            <a:r>
+              <a:rPr lang="en-US" sz="1400" dirty="0"/>
+              <a:t>Kafka </a:t>
+            </a:r>
+          </a:p>
+          <a:p>
+            <a:pPr algn="ctr"/>
+            <a:r>
+              <a:rPr lang="en-US" sz="1400" dirty="0"/>
+              <a:t>Consumer</a:t>
+            </a:r>
+          </a:p>
+        </p:txBody>
+      </p:sp>
+      <p:pic>
+        <p:nvPicPr>
+          <p:cNvPr id="60" name="Picture 59" descr="Shape&#10;&#10;Description automatically generated with low confidence">
+            <a:extLst>
+              <a:ext uri="{FF2B5EF4-FFF2-40B4-BE49-F238E27FC236}">
+                <a16:creationId xmlns:a16="http://schemas.microsoft.com/office/drawing/2014/main" id="{630D271A-12B9-4BD0-8D22-6315B8EC0509}"/>
+              </a:ext>
+            </a:extLst>
+          </p:cNvPr>
+          <p:cNvPicPr>
+            <a:picLocks noChangeAspect="1"/>
+          </p:cNvPicPr>
+          <p:nvPr/>
+        </p:nvPicPr>
+        <p:blipFill>
+          <a:blip r:embed="rId8">
+            <a:extLst>
+              <a:ext uri="{28A0092B-C50C-407E-A947-70E740481C1C}">
+                <a14:useLocalDpi xmlns:a14="http://schemas.microsoft.com/office/drawing/2010/main" val="0"/>
+              </a:ext>
+            </a:extLst>
+          </a:blip>
+          <a:stretch>
+            <a:fillRect/>
+          </a:stretch>
+        </p:blipFill>
+        <p:spPr>
+          <a:xfrm>
+            <a:off x="10946912" y="4611488"/>
+            <a:ext cx="952829" cy="952829"/>
+          </a:xfrm>
+          <a:prstGeom prst="rect">
+            <a:avLst/>
+          </a:prstGeom>
+        </p:spPr>
+      </p:pic>
+      <p:sp>
+        <p:nvSpPr>
+          <p:cNvPr id="61" name="Arrow: Right 60">
+            <a:extLst>
+              <a:ext uri="{FF2B5EF4-FFF2-40B4-BE49-F238E27FC236}">
+                <a16:creationId xmlns:a16="http://schemas.microsoft.com/office/drawing/2014/main" id="{5773B8D2-17A1-4E2B-8D55-B579D40E5436}"/>
+              </a:ext>
+            </a:extLst>
+          </p:cNvPr>
+          <p:cNvSpPr/>
+          <p:nvPr/>
+        </p:nvSpPr>
+        <p:spPr>
+          <a:xfrm>
+            <a:off x="10266375" y="5072043"/>
+            <a:ext cx="528796" cy="186134"/>
+          </a:xfrm>
+          <a:prstGeom prst="rightArrow">
+            <a:avLst/>
+          </a:prstGeom>
+        </p:spPr>
+        <p:style>
+          <a:lnRef idx="1">
+            <a:schemeClr val="accent6"/>
+          </a:lnRef>
+          <a:fillRef idx="2">
+            <a:schemeClr val="accent6"/>
+          </a:fillRef>
+          <a:effectRef idx="1">
+            <a:schemeClr val="accent6"/>
+          </a:effectRef>
+          <a:fontRef idx="minor">
+            <a:schemeClr val="dk1"/>
+          </a:fontRef>
+        </p:style>
+        <p:txBody>
+          <a:bodyPr rtlCol="0" anchor="ctr"/>
+          <a:lstStyle/>
+          <a:p>
+            <a:pPr algn="ctr"/>
+            <a:endParaRPr lang="en-US"/>
+          </a:p>
+        </p:txBody>
+      </p:sp>
+      <p:pic>
+        <p:nvPicPr>
+          <p:cNvPr id="41" name="Picture 40" descr="Shape&#10;&#10;Description automatically generated">
+            <a:extLst>
+              <a:ext uri="{FF2B5EF4-FFF2-40B4-BE49-F238E27FC236}">
+                <a16:creationId xmlns:a16="http://schemas.microsoft.com/office/drawing/2014/main" id="{2585D4C8-FBD5-4F4B-BD9B-3AB86BD27355}"/>
+              </a:ext>
+            </a:extLst>
+          </p:cNvPr>
+          <p:cNvPicPr>
+            <a:picLocks noChangeAspect="1"/>
+          </p:cNvPicPr>
+          <p:nvPr/>
+        </p:nvPicPr>
+        <p:blipFill>
+          <a:blip r:embed="rId9">
+            <a:extLst>
+              <a:ext uri="{28A0092B-C50C-407E-A947-70E740481C1C}">
+                <a14:useLocalDpi xmlns:a14="http://schemas.microsoft.com/office/drawing/2010/main" val="0"/>
+              </a:ext>
+            </a:extLst>
+          </a:blip>
+          <a:stretch>
+            <a:fillRect/>
+          </a:stretch>
+        </p:blipFill>
+        <p:spPr>
+          <a:xfrm>
+            <a:off x="4297651" y="1042507"/>
+            <a:ext cx="351238" cy="313605"/>
+          </a:xfrm>
+          <a:prstGeom prst="rect">
+            <a:avLst/>
+          </a:prstGeom>
+        </p:spPr>
+      </p:pic>
+      <p:sp>
+        <p:nvSpPr>
+          <p:cNvPr id="64" name="TextBox 63">
+            <a:extLst>
+              <a:ext uri="{FF2B5EF4-FFF2-40B4-BE49-F238E27FC236}">
+                <a16:creationId xmlns:a16="http://schemas.microsoft.com/office/drawing/2014/main" id="{374384CF-F424-405C-A583-A064FBD1FEAA}"/>
+              </a:ext>
+            </a:extLst>
+          </p:cNvPr>
+          <p:cNvSpPr txBox="1"/>
+          <p:nvPr/>
+        </p:nvSpPr>
+        <p:spPr>
+          <a:xfrm>
+            <a:off x="4565607" y="1100940"/>
+            <a:ext cx="764280" cy="261610"/>
+          </a:xfrm>
+          <a:prstGeom prst="rect">
+            <a:avLst/>
+          </a:prstGeom>
+          <a:noFill/>
+        </p:spPr>
+        <p:txBody>
+          <a:bodyPr wrap="square" rtlCol="0">
+            <a:spAutoFit/>
+          </a:bodyPr>
+          <a:lstStyle/>
+          <a:p>
+            <a:pPr algn="ctr"/>
+            <a:r>
+              <a:rPr lang="en-US" sz="1100" b="1" dirty="0"/>
+              <a:t>Flask app</a:t>
+            </a:r>
+          </a:p>
+        </p:txBody>
+      </p:sp>
+      <p:pic>
+        <p:nvPicPr>
+          <p:cNvPr id="65" name="Picture 64" descr="Shape&#10;&#10;Description automatically generated">
+            <a:extLst>
+              <a:ext uri="{FF2B5EF4-FFF2-40B4-BE49-F238E27FC236}">
+                <a16:creationId xmlns:a16="http://schemas.microsoft.com/office/drawing/2014/main" id="{CD29F4A4-9E50-4321-8B3D-342CBDE9716C}"/>
+              </a:ext>
+            </a:extLst>
+          </p:cNvPr>
+          <p:cNvPicPr>
+            <a:picLocks noChangeAspect="1"/>
+          </p:cNvPicPr>
+          <p:nvPr/>
+        </p:nvPicPr>
+        <p:blipFill>
+          <a:blip r:embed="rId9">
+            <a:extLst>
+              <a:ext uri="{28A0092B-C50C-407E-A947-70E740481C1C}">
+                <a14:useLocalDpi xmlns:a14="http://schemas.microsoft.com/office/drawing/2010/main" val="0"/>
+              </a:ext>
+            </a:extLst>
+          </a:blip>
+          <a:stretch>
+            <a:fillRect/>
+          </a:stretch>
+        </p:blipFill>
+        <p:spPr>
+          <a:xfrm>
+            <a:off x="8467779" y="4191662"/>
+            <a:ext cx="351238" cy="313605"/>
+          </a:xfrm>
+          <a:prstGeom prst="rect">
+            <a:avLst/>
+          </a:prstGeom>
+        </p:spPr>
+      </p:pic>
+      <p:sp>
+        <p:nvSpPr>
+          <p:cNvPr id="66" name="TextBox 65">
+            <a:extLst>
+              <a:ext uri="{FF2B5EF4-FFF2-40B4-BE49-F238E27FC236}">
+                <a16:creationId xmlns:a16="http://schemas.microsoft.com/office/drawing/2014/main" id="{026BC8F8-E3A1-4BBC-AB40-5E6C4248B2EB}"/>
+              </a:ext>
+            </a:extLst>
+          </p:cNvPr>
+          <p:cNvSpPr txBox="1"/>
+          <p:nvPr/>
+        </p:nvSpPr>
+        <p:spPr>
+          <a:xfrm>
+            <a:off x="8735735" y="4250095"/>
+            <a:ext cx="764280" cy="261610"/>
+          </a:xfrm>
+          <a:prstGeom prst="rect">
+            <a:avLst/>
+          </a:prstGeom>
+          <a:noFill/>
+        </p:spPr>
+        <p:txBody>
+          <a:bodyPr wrap="square" rtlCol="0">
+            <a:spAutoFit/>
+          </a:bodyPr>
+          <a:lstStyle/>
+          <a:p>
+            <a:pPr algn="ctr"/>
+            <a:r>
+              <a:rPr lang="en-US" sz="1100" b="1" dirty="0"/>
+              <a:t>Flask app</a:t>
+            </a:r>
+          </a:p>
+        </p:txBody>
+      </p:sp>
+    </p:spTree>
+    <p:extLst>
+      <p:ext uri="{BB962C8B-B14F-4D97-AF65-F5344CB8AC3E}">
+        <p14:creationId xmlns:p14="http://schemas.microsoft.com/office/powerpoint/2010/main" val="2951301479"/>
+      </p:ext>
+    </p:extLst>
+  </p:cSld>
+  <p:clrMapOvr>
+    <a:masterClrMapping/>
+  </p:clrMapOvr>
+</p:sld>
+</file>
+
 <file path=ppt/theme/theme1.xml><?xml version="1.0" encoding="utf-8"?>
 <a:theme xmlns:a="http://schemas.openxmlformats.org/drawingml/2006/main" name="Office Theme">
   <a:themeElements>

--- a/Documentation/Logo-creation.pptx
+++ b/Documentation/Logo-creation.pptx
@@ -4312,7 +4312,7 @@
                   <a:schemeClr val="tx1"/>
                 </a:solidFill>
               </a:rPr>
-              <a:t>Send:</a:t>
+              <a:t>Event alert:</a:t>
             </a:r>
           </a:p>
           <a:p>
@@ -4399,8 +4399,12 @@
           <a:p>
             <a:pPr algn="ctr"/>
             <a:r>
+              <a:rPr lang="en-US" sz="1100" b="1" dirty="0"/>
+              <a:t>WOOF!</a:t>
+            </a:r>
+            <a:r>
               <a:rPr lang="en-US" sz="1100" dirty="0"/>
-              <a:t>Event Notifier</a:t>
+              <a:t> Notifier</a:t>
             </a:r>
           </a:p>
         </p:txBody>
@@ -4924,7 +4928,7 @@
         </p:blipFill>
         <p:spPr>
           <a:xfrm>
-            <a:off x="8467779" y="4191662"/>
+            <a:off x="8456238" y="4247912"/>
             <a:ext cx="351238" cy="313605"/>
           </a:xfrm>
           <a:prstGeom prst="rect">
@@ -4946,7 +4950,7 @@
         </p:nvSpPr>
         <p:spPr>
           <a:xfrm>
-            <a:off x="8735735" y="4250095"/>
+            <a:off x="8724194" y="4306345"/>
             <a:ext cx="764280" cy="261610"/>
           </a:xfrm>
           <a:prstGeom prst="rect">

--- a/Documentation/Logo-creation.pptx
+++ b/Documentation/Logo-creation.pptx
@@ -4399,8 +4399,12 @@
           <a:p>
             <a:pPr algn="ctr"/>
             <a:r>
+              <a:rPr lang="en-US" sz="1100" b="1"/>
+              <a:t>WUPHF</a:t>
+            </a:r>
+            <a:r>
               <a:rPr lang="en-US" sz="1100" b="1" dirty="0"/>
-              <a:t>WOOF!</a:t>
+              <a:t>!</a:t>
             </a:r>
             <a:r>
               <a:rPr lang="en-US" sz="1100" dirty="0"/>
